--- a/FarzeenNazPromi1620225042/MidPoint_ProgressAndPlans.pptx
+++ b/FarzeenNazPromi1620225042/MidPoint_ProgressAndPlans.pptx
@@ -4520,13 +4520,17 @@
             </a:r>
             <a:r>
               <a:rPr lang="en-GB" dirty="0"/>
-              <a:t>the training </a:t>
+              <a:t>the </a:t>
+            </a:r>
+            <a:r>
+              <a:rPr lang="en-GB" dirty="0" err="1" smtClean="0"/>
+              <a:t>trainin</a:t>
             </a:r>
             <a:r>
               <a:rPr lang="en-US" dirty="0" smtClean="0"/>
-              <a:t>Conv2D</a:t>
-            </a:r>
-            <a:endParaRPr lang="en-US" dirty="0"/>
+              <a:t>g</a:t>
+            </a:r>
+            <a:endParaRPr lang="en-US" smtClean="0"/>
           </a:p>
           <a:p>
             <a:pPr lvl="1"/>
@@ -4547,15 +4551,7 @@
             </a:r>
             <a:r>
               <a:rPr lang="en-GB" dirty="0"/>
-              <a:t> </a:t>
-            </a:r>
-            <a:r>
-              <a:rPr lang="en-GB" b="1" dirty="0"/>
-              <a:t>function</a:t>
-            </a:r>
-            <a:r>
-              <a:rPr lang="en-GB" dirty="0"/>
-              <a:t> is to progressively </a:t>
+              <a:t> function is to progressively </a:t>
             </a:r>
             <a:r>
               <a:rPr lang="en-GB" dirty="0" smtClean="0"/>
@@ -4594,11 +4590,7 @@
             </a:r>
             <a:r>
               <a:rPr lang="en-GB" dirty="0"/>
-              <a:t> passed to the fully connected </a:t>
-            </a:r>
-            <a:r>
-              <a:rPr lang="en-GB" b="1" dirty="0"/>
-              <a:t>layer</a:t>
+              <a:t> passed to the fully connected layer</a:t>
             </a:r>
             <a:endParaRPr lang="en-US" dirty="0"/>
           </a:p>
@@ -6043,7 +6035,7 @@
             </a:r>
             <a:r>
               <a:rPr lang="en-US" dirty="0" smtClean="0"/>
-              <a:t>0.9726</a:t>
+              <a:t>97.26</a:t>
             </a:r>
           </a:p>
           <a:p>

--- a/FarzeenNazPromi1620225042/MidPoint_ProgressAndPlans.pptx
+++ b/FarzeenNazPromi1620225042/MidPoint_ProgressAndPlans.pptx
@@ -3648,20 +3648,22 @@
           <a:p>
             <a:r>
               <a:rPr lang="en-US" dirty="0" smtClean="0"/>
-              <a:t>Research to figure out how to reduce over fitting</a:t>
+              <a:t>Train using a Pre-trained model on the dataset to try to obtain better results</a:t>
             </a:r>
           </a:p>
           <a:p>
             <a:r>
               <a:rPr lang="en-US" dirty="0" smtClean="0"/>
-              <a:t>Train using a Pre-trained model on the dataset to try to obtain better results</a:t>
-            </a:r>
-            <a:endParaRPr lang="en-US" dirty="0"/>
-          </a:p>
-          <a:p>
-            <a:pPr marL="0" indent="0">
-              <a:buNone/>
-            </a:pPr>
+              <a:t>Look for other </a:t>
+            </a:r>
+            <a:r>
+              <a:rPr lang="en-US" smtClean="0"/>
+              <a:t>CNN  variants </a:t>
+            </a:r>
+            <a:r>
+              <a:rPr lang="en-US" dirty="0" smtClean="0"/>
+              <a:t>to try</a:t>
+            </a:r>
             <a:endParaRPr lang="en-US" dirty="0"/>
           </a:p>
         </p:txBody>
@@ -3864,7 +3866,7 @@
           <p:cNvPr id="7" name="Picture 6" descr="A close up of many different vegetables on display&#10;&#10;Description automatically generated">
             <a:extLst>
               <a:ext uri="{FF2B5EF4-FFF2-40B4-BE49-F238E27FC236}">
-                <a16:creationId xmlns:a16="http://schemas.microsoft.com/office/drawing/2014/main" xmlns="" id="{DD33CF72-19F8-4FE5-A867-726CCA747259}"/>
+                <a16:creationId xmlns="" xmlns:a16="http://schemas.microsoft.com/office/drawing/2014/main" id="{DD33CF72-19F8-4FE5-A867-726CCA747259}"/>
               </a:ext>
             </a:extLst>
           </p:cNvPr>
@@ -3959,7 +3961,9 @@
           </a:xfrm>
         </p:spPr>
         <p:txBody>
-          <a:bodyPr anchor="t"/>
+          <a:bodyPr anchor="t">
+            <a:normAutofit fontScale="92500" lnSpcReduction="20000"/>
+          </a:bodyPr>
           <a:lstStyle/>
           <a:p>
             <a:pPr lvl="1"/>
@@ -4013,11 +4017,7 @@
             </a:r>
             <a:r>
               <a:rPr lang="en-US" dirty="0" smtClean="0"/>
-              <a:t>Even after reducing the size of the dataset, it was seen that device 	could not provide it with the power needed. </a:t>
-            </a:r>
-            <a:r>
-              <a:rPr lang="en-US" dirty="0" smtClean="0"/>
-              <a:t>to overcome this, this 	project has been done directly on </a:t>
+              <a:t>Even after reducing the size of the dataset, it was seen that device 	could not provide it with the power needed. to overcome this, this 	project has been done directly on </a:t>
             </a:r>
             <a:r>
               <a:rPr lang="en-US" dirty="0" err="1" smtClean="0"/>
@@ -4025,7 +4025,42 @@
             </a:r>
             <a:r>
               <a:rPr lang="en-US" dirty="0" smtClean="0"/>
-              <a:t> Kernels.</a:t>
+              <a:t> Kernels</a:t>
+            </a:r>
+            <a:r>
+              <a:rPr lang="en-US" dirty="0" smtClean="0"/>
+              <a:t>.</a:t>
+            </a:r>
+          </a:p>
+          <a:p>
+            <a:pPr marL="502920" lvl="1" indent="0">
+              <a:buNone/>
+            </a:pPr>
+            <a:endParaRPr lang="en-US" dirty="0" smtClean="0"/>
+          </a:p>
+          <a:p>
+            <a:pPr lvl="1"/>
+            <a:r>
+              <a:rPr lang="en-US" dirty="0" smtClean="0"/>
+              <a:t>Over Fitting</a:t>
+            </a:r>
+          </a:p>
+          <a:p>
+            <a:pPr marL="502920" lvl="1" indent="0">
+              <a:buNone/>
+            </a:pPr>
+            <a:r>
+              <a:rPr lang="en-US" dirty="0" smtClean="0"/>
+              <a:t>	Due to dataset sampling which reduced the size of the dataset, over 	fitting because an issue. The Training accuracy was significantly 	higher than test accuracy showing the occurrence of memorization.</a:t>
+            </a:r>
+          </a:p>
+          <a:p>
+            <a:pPr marL="502920" lvl="1" indent="0">
+              <a:buNone/>
+            </a:pPr>
+            <a:r>
+              <a:rPr lang="en-US" dirty="0" smtClean="0"/>
+              <a:t>	This was fixed by changing parameters and reducing the number of 	epochs.</a:t>
             </a:r>
             <a:endParaRPr lang="en-US" dirty="0" smtClean="0"/>
           </a:p>
@@ -4789,7 +4824,6 @@
               <a:rPr lang="en-US" dirty="0"/>
               <a:t>2D CONVOLUTIONAL LAYER</a:t>
             </a:r>
-            <a:endParaRPr lang="en-US" dirty="0"/>
           </a:p>
         </p:txBody>
       </p:sp>
@@ -4873,7 +4907,6 @@
               <a:rPr lang="en-US" dirty="0"/>
               <a:t>2D CONVOLUTIONAL LAYER</a:t>
             </a:r>
-            <a:endParaRPr lang="en-US" dirty="0"/>
           </a:p>
         </p:txBody>
       </p:sp>
@@ -4915,7 +4948,6 @@
               <a:rPr lang="en-US" dirty="0"/>
               <a:t>2D CONVOLUTIONAL LAYER</a:t>
             </a:r>
-            <a:endParaRPr lang="en-US" dirty="0"/>
           </a:p>
         </p:txBody>
       </p:sp>
@@ -5083,7 +5115,6 @@
               <a:rPr lang="en-US" dirty="0"/>
               <a:t>2D CONVOLUTIONAL LAYER</a:t>
             </a:r>
-            <a:endParaRPr lang="en-US" dirty="0"/>
           </a:p>
         </p:txBody>
       </p:sp>
@@ -6025,24 +6056,10 @@
           </a:bodyPr>
           <a:lstStyle/>
           <a:p>
-            <a:r>
-              <a:rPr lang="en-US" dirty="0" smtClean="0"/>
-              <a:t>Train Accuracy</a:t>
-            </a:r>
-            <a:r>
-              <a:rPr lang="en-US" dirty="0"/>
-              <a:t>: </a:t>
-            </a:r>
-            <a:r>
-              <a:rPr lang="en-US" dirty="0" smtClean="0"/>
-              <a:t>97.26</a:t>
-            </a:r>
-          </a:p>
-          <a:p>
-            <a:r>
-              <a:rPr lang="en-US" dirty="0" smtClean="0"/>
-              <a:t>Test Accuracy: 94.23</a:t>
-            </a:r>
+            <a:pPr marL="0" indent="0">
+              <a:buNone/>
+            </a:pPr>
+            <a:endParaRPr lang="en-US" dirty="0"/>
           </a:p>
           <a:p>
             <a:pPr marL="0" indent="0">
@@ -6074,50 +6091,11 @@
             </a:pPr>
             <a:endParaRPr lang="en-US" dirty="0" smtClean="0"/>
           </a:p>
-          <a:p>
-            <a:pPr marL="0" indent="0">
-              <a:buNone/>
-            </a:pPr>
-            <a:endParaRPr lang="en-US" dirty="0"/>
-          </a:p>
-          <a:p>
-            <a:pPr marL="0" indent="0">
-              <a:buNone/>
-            </a:pPr>
-            <a:endParaRPr lang="en-US" dirty="0" smtClean="0"/>
-          </a:p>
-          <a:p>
-            <a:pPr marL="0" indent="0">
-              <a:buNone/>
-            </a:pPr>
-            <a:r>
-              <a:rPr lang="en-US" dirty="0" smtClean="0"/>
-              <a:t>Conclusion:</a:t>
-            </a:r>
-          </a:p>
-          <a:p>
-            <a:pPr marL="0" indent="0">
-              <a:buNone/>
-            </a:pPr>
-            <a:r>
-              <a:rPr lang="en-US" dirty="0" smtClean="0"/>
-              <a:t>From the test and the train accuracies, it can be derived that the model is over fitted</a:t>
-            </a:r>
-            <a:r>
-              <a:rPr lang="en-US" dirty="0"/>
-              <a:t> </a:t>
-            </a:r>
-            <a:r>
-              <a:rPr lang="en-US" dirty="0" smtClean="0"/>
-              <a:t>as train accuracy is higher than test accuracy.</a:t>
-            </a:r>
-            <a:endParaRPr lang="en-US" dirty="0" smtClean="0"/>
-          </a:p>
         </p:txBody>
       </p:sp>
       <p:pic>
         <p:nvPicPr>
-          <p:cNvPr id="7" name="Picture 6"/>
+          <p:cNvPr id="5" name="Picture 4"/>
           <p:cNvPicPr>
             <a:picLocks noChangeAspect="1"/>
           </p:cNvPicPr>
@@ -6137,8 +6115,8 @@
         </p:blipFill>
         <p:spPr>
           <a:xfrm>
-            <a:off x="7597199" y="1760507"/>
-            <a:ext cx="3939327" cy="2729612"/>
+            <a:off x="7394707" y="620344"/>
+            <a:ext cx="4089863" cy="2833921"/>
           </a:xfrm>
           <a:prstGeom prst="rect">
             <a:avLst/>
@@ -6147,7 +6125,7 @@
       </p:pic>
       <p:pic>
         <p:nvPicPr>
-          <p:cNvPr id="8" name="Picture 7"/>
+          <p:cNvPr id="6" name="Picture 5"/>
           <p:cNvPicPr>
             <a:picLocks noChangeAspect="1"/>
           </p:cNvPicPr>
@@ -6167,14 +6145,223 @@
         </p:blipFill>
         <p:spPr>
           <a:xfrm>
-            <a:off x="3651671" y="1746850"/>
-            <a:ext cx="3877290" cy="2729612"/>
+            <a:off x="3543408" y="3288998"/>
+            <a:ext cx="4232045" cy="2979360"/>
           </a:xfrm>
           <a:prstGeom prst="rect">
             <a:avLst/>
           </a:prstGeom>
         </p:spPr>
       </p:pic>
+      <p:sp>
+        <p:nvSpPr>
+          <p:cNvPr id="11" name="Rectangle 10"/>
+          <p:cNvSpPr/>
+          <p:nvPr/>
+        </p:nvSpPr>
+        <p:spPr>
+          <a:xfrm>
+            <a:off x="4332053" y="1840566"/>
+            <a:ext cx="6383170" cy="2954655"/>
+          </a:xfrm>
+          <a:prstGeom prst="rect">
+            <a:avLst/>
+          </a:prstGeom>
+        </p:spPr>
+        <p:txBody>
+          <a:bodyPr wrap="square">
+            <a:spAutoFit/>
+          </a:bodyPr>
+          <a:lstStyle/>
+          <a:p>
+            <a:pPr marL="182880" lvl="0" indent="-182880" defTabSz="914400">
+              <a:lnSpc>
+                <a:spcPct val="90000"/>
+              </a:lnSpc>
+              <a:spcBef>
+                <a:spcPts val="1200"/>
+              </a:spcBef>
+              <a:buClr>
+                <a:srgbClr val="549E39"/>
+              </a:buClr>
+              <a:buFont typeface="Wingdings 2" pitchFamily="18" charset="2"/>
+              <a:buChar char=""/>
+            </a:pPr>
+            <a:r>
+              <a:rPr lang="en-US" sz="2000" dirty="0">
+                <a:solidFill>
+                  <a:prstClr val="black">
+                    <a:lumMod val="65000"/>
+                    <a:lumOff val="35000"/>
+                  </a:prstClr>
+                </a:solidFill>
+              </a:rPr>
+              <a:t>Train Accuracy: </a:t>
+            </a:r>
+            <a:r>
+              <a:rPr lang="en-US" sz="2000" dirty="0" smtClean="0">
+                <a:solidFill>
+                  <a:prstClr val="black">
+                    <a:lumMod val="65000"/>
+                    <a:lumOff val="35000"/>
+                  </a:prstClr>
+                </a:solidFill>
+              </a:rPr>
+              <a:t>96.37</a:t>
+            </a:r>
+          </a:p>
+          <a:p>
+            <a:pPr marL="182880" lvl="0" indent="-182880" defTabSz="914400">
+              <a:lnSpc>
+                <a:spcPct val="90000"/>
+              </a:lnSpc>
+              <a:spcBef>
+                <a:spcPts val="1200"/>
+              </a:spcBef>
+              <a:buClr>
+                <a:srgbClr val="549E39"/>
+              </a:buClr>
+              <a:buFont typeface="Wingdings 2" pitchFamily="18" charset="2"/>
+              <a:buChar char=""/>
+            </a:pPr>
+            <a:endParaRPr lang="en-US" sz="2000" dirty="0" smtClean="0">
+              <a:solidFill>
+                <a:prstClr val="black">
+                  <a:lumMod val="65000"/>
+                  <a:lumOff val="35000"/>
+                </a:prstClr>
+              </a:solidFill>
+            </a:endParaRPr>
+          </a:p>
+          <a:p>
+            <a:pPr marL="182880" lvl="0" indent="-182880" defTabSz="914400">
+              <a:lnSpc>
+                <a:spcPct val="90000"/>
+              </a:lnSpc>
+              <a:spcBef>
+                <a:spcPts val="1200"/>
+              </a:spcBef>
+              <a:buClr>
+                <a:srgbClr val="549E39"/>
+              </a:buClr>
+              <a:buFont typeface="Wingdings 2" pitchFamily="18" charset="2"/>
+              <a:buChar char=""/>
+            </a:pPr>
+            <a:endParaRPr lang="en-US" sz="2000" dirty="0">
+              <a:solidFill>
+                <a:prstClr val="black">
+                  <a:lumMod val="65000"/>
+                  <a:lumOff val="35000"/>
+                </a:prstClr>
+              </a:solidFill>
+            </a:endParaRPr>
+          </a:p>
+          <a:p>
+            <a:pPr marL="182880" lvl="0" indent="-182880" defTabSz="914400">
+              <a:lnSpc>
+                <a:spcPct val="90000"/>
+              </a:lnSpc>
+              <a:spcBef>
+                <a:spcPts val="1200"/>
+              </a:spcBef>
+              <a:buClr>
+                <a:srgbClr val="549E39"/>
+              </a:buClr>
+              <a:buFont typeface="Wingdings 2" pitchFamily="18" charset="2"/>
+              <a:buChar char=""/>
+            </a:pPr>
+            <a:endParaRPr lang="en-US" sz="2000" dirty="0" smtClean="0">
+              <a:solidFill>
+                <a:prstClr val="black">
+                  <a:lumMod val="65000"/>
+                  <a:lumOff val="35000"/>
+                </a:prstClr>
+              </a:solidFill>
+            </a:endParaRPr>
+          </a:p>
+          <a:p>
+            <a:pPr marL="182880" lvl="0" indent="-182880" defTabSz="914400">
+              <a:lnSpc>
+                <a:spcPct val="90000"/>
+              </a:lnSpc>
+              <a:spcBef>
+                <a:spcPts val="1200"/>
+              </a:spcBef>
+              <a:buClr>
+                <a:srgbClr val="549E39"/>
+              </a:buClr>
+              <a:buFont typeface="Wingdings 2" pitchFamily="18" charset="2"/>
+              <a:buChar char=""/>
+            </a:pPr>
+            <a:endParaRPr lang="en-US" sz="2000" dirty="0">
+              <a:solidFill>
+                <a:prstClr val="black">
+                  <a:lumMod val="65000"/>
+                  <a:lumOff val="35000"/>
+                </a:prstClr>
+              </a:solidFill>
+            </a:endParaRPr>
+          </a:p>
+          <a:p>
+            <a:pPr lvl="8" defTabSz="914400">
+              <a:lnSpc>
+                <a:spcPct val="90000"/>
+              </a:lnSpc>
+              <a:spcBef>
+                <a:spcPts val="1200"/>
+              </a:spcBef>
+              <a:buClr>
+                <a:srgbClr val="549E39"/>
+              </a:buClr>
+            </a:pPr>
+            <a:endParaRPr lang="en-US" sz="2000" dirty="0">
+              <a:solidFill>
+                <a:prstClr val="black">
+                  <a:lumMod val="65000"/>
+                  <a:lumOff val="35000"/>
+                </a:prstClr>
+              </a:solidFill>
+            </a:endParaRPr>
+          </a:p>
+          <a:p>
+            <a:pPr marL="3840480" lvl="8" indent="-182880" defTabSz="914400">
+              <a:lnSpc>
+                <a:spcPct val="90000"/>
+              </a:lnSpc>
+              <a:spcBef>
+                <a:spcPts val="1200"/>
+              </a:spcBef>
+              <a:buClr>
+                <a:srgbClr val="549E39"/>
+              </a:buClr>
+              <a:buFont typeface="Wingdings 2" pitchFamily="18" charset="2"/>
+              <a:buChar char=""/>
+            </a:pPr>
+            <a:r>
+              <a:rPr lang="en-US" sz="2000" dirty="0" smtClean="0">
+                <a:solidFill>
+                  <a:prstClr val="black">
+                    <a:lumMod val="65000"/>
+                    <a:lumOff val="35000"/>
+                  </a:prstClr>
+                </a:solidFill>
+              </a:rPr>
+              <a:t>Test </a:t>
+            </a:r>
+            <a:r>
+              <a:rPr lang="en-US" sz="2000" dirty="0">
+                <a:solidFill>
+                  <a:prstClr val="black">
+                    <a:lumMod val="65000"/>
+                    <a:lumOff val="35000"/>
+                  </a:prstClr>
+                </a:solidFill>
+              </a:rPr>
+              <a:t>Accuracy: 96.37</a:t>
+            </a:r>
+          </a:p>
+        </p:txBody>
+      </p:sp>
     </p:spTree>
     <p:extLst>
       <p:ext uri="{BB962C8B-B14F-4D97-AF65-F5344CB8AC3E}">
